--- a/PRESENTATION/JavaScript.pptx
+++ b/PRESENTATION/JavaScript.pptx
@@ -105,6 +105,22 @@
       </a:defRPr>
     </a:lvl9pPr>
   </p:defaultTextStyle>
+  <p:extLst>
+    <p:ext uri="{EFAFB233-063F-42B5-8137-9DF3F51BA10A}">
+      <p15:sldGuideLst xmlns:p15="http://schemas.microsoft.com/office/powerpoint/2012/main">
+        <p15:guide id="1" orient="horz" pos="1620">
+          <p15:clr>
+            <a:srgbClr val="A4A3A4"/>
+          </p15:clr>
+        </p15:guide>
+        <p15:guide id="2" pos="2880">
+          <p15:clr>
+            <a:srgbClr val="A4A3A4"/>
+          </p15:clr>
+        </p15:guide>
+      </p15:sldGuideLst>
+    </p:ext>
+  </p:extLst>
 </p:presentation>
 </file>
 
@@ -146,10 +162,9 @@
           <a:lstStyle/>
           <a:p>
             <a:r>
-              <a:rPr lang="ru-RU" smtClean="0"/>
+              <a:rPr lang="ru-RU"/>
               <a:t>Образец заголовка</a:t>
             </a:r>
-            <a:endParaRPr lang="ru-RU"/>
           </a:p>
         </p:txBody>
       </p:sp>
@@ -265,10 +280,9 @@
           </a:lstStyle>
           <a:p>
             <a:r>
-              <a:rPr lang="ru-RU" smtClean="0"/>
+              <a:rPr lang="ru-RU"/>
               <a:t>Образец подзаголовка</a:t>
             </a:r>
-            <a:endParaRPr lang="ru-RU"/>
           </a:p>
         </p:txBody>
       </p:sp>
@@ -290,7 +304,7 @@
             <a:fld id="{BC011F74-49DA-4053-AB53-90420303BA71}" type="datetimeFigureOut">
               <a:rPr lang="ru-RU" smtClean="0"/>
               <a:pPr/>
-              <a:t>26.06.2024</a:t>
+              <a:t>27.06.2024</a:t>
             </a:fld>
             <a:endParaRPr lang="ru-RU"/>
           </a:p>
@@ -380,10 +394,9 @@
           <a:lstStyle/>
           <a:p>
             <a:r>
-              <a:rPr lang="ru-RU" smtClean="0"/>
+              <a:rPr lang="ru-RU"/>
               <a:t>Образец заголовка</a:t>
             </a:r>
-            <a:endParaRPr lang="ru-RU"/>
           </a:p>
         </p:txBody>
       </p:sp>
@@ -404,38 +417,37 @@
           <a:p>
             <a:pPr lvl="0"/>
             <a:r>
-              <a:rPr lang="ru-RU" smtClean="0"/>
+              <a:rPr lang="ru-RU"/>
               <a:t>Образец текста</a:t>
             </a:r>
           </a:p>
           <a:p>
             <a:pPr lvl="1"/>
             <a:r>
-              <a:rPr lang="ru-RU" smtClean="0"/>
+              <a:rPr lang="ru-RU"/>
               <a:t>Второй уровень</a:t>
             </a:r>
           </a:p>
           <a:p>
             <a:pPr lvl="2"/>
             <a:r>
-              <a:rPr lang="ru-RU" smtClean="0"/>
+              <a:rPr lang="ru-RU"/>
               <a:t>Третий уровень</a:t>
             </a:r>
           </a:p>
           <a:p>
             <a:pPr lvl="3"/>
             <a:r>
-              <a:rPr lang="ru-RU" smtClean="0"/>
+              <a:rPr lang="ru-RU"/>
               <a:t>Четвертый уровень</a:t>
             </a:r>
           </a:p>
           <a:p>
             <a:pPr lvl="4"/>
             <a:r>
-              <a:rPr lang="ru-RU" smtClean="0"/>
+              <a:rPr lang="ru-RU"/>
               <a:t>Пятый уровень</a:t>
             </a:r>
-            <a:endParaRPr lang="ru-RU"/>
           </a:p>
         </p:txBody>
       </p:sp>
@@ -457,7 +469,7 @@
             <a:fld id="{BC011F74-49DA-4053-AB53-90420303BA71}" type="datetimeFigureOut">
               <a:rPr lang="ru-RU" smtClean="0"/>
               <a:pPr/>
-              <a:t>26.06.2024</a:t>
+              <a:t>27.06.2024</a:t>
             </a:fld>
             <a:endParaRPr lang="ru-RU"/>
           </a:p>
@@ -552,10 +564,9 @@
           <a:lstStyle/>
           <a:p>
             <a:r>
-              <a:rPr lang="ru-RU" smtClean="0"/>
+              <a:rPr lang="ru-RU"/>
               <a:t>Образец заголовка</a:t>
             </a:r>
-            <a:endParaRPr lang="ru-RU"/>
           </a:p>
         </p:txBody>
       </p:sp>
@@ -581,38 +592,37 @@
           <a:p>
             <a:pPr lvl="0"/>
             <a:r>
-              <a:rPr lang="ru-RU" smtClean="0"/>
+              <a:rPr lang="ru-RU"/>
               <a:t>Образец текста</a:t>
             </a:r>
           </a:p>
           <a:p>
             <a:pPr lvl="1"/>
             <a:r>
-              <a:rPr lang="ru-RU" smtClean="0"/>
+              <a:rPr lang="ru-RU"/>
               <a:t>Второй уровень</a:t>
             </a:r>
           </a:p>
           <a:p>
             <a:pPr lvl="2"/>
             <a:r>
-              <a:rPr lang="ru-RU" smtClean="0"/>
+              <a:rPr lang="ru-RU"/>
               <a:t>Третий уровень</a:t>
             </a:r>
           </a:p>
           <a:p>
             <a:pPr lvl="3"/>
             <a:r>
-              <a:rPr lang="ru-RU" smtClean="0"/>
+              <a:rPr lang="ru-RU"/>
               <a:t>Четвертый уровень</a:t>
             </a:r>
           </a:p>
           <a:p>
             <a:pPr lvl="4"/>
             <a:r>
-              <a:rPr lang="ru-RU" smtClean="0"/>
+              <a:rPr lang="ru-RU"/>
               <a:t>Пятый уровень</a:t>
             </a:r>
-            <a:endParaRPr lang="ru-RU"/>
           </a:p>
         </p:txBody>
       </p:sp>
@@ -634,7 +644,7 @@
             <a:fld id="{BC011F74-49DA-4053-AB53-90420303BA71}" type="datetimeFigureOut">
               <a:rPr lang="ru-RU" smtClean="0"/>
               <a:pPr/>
-              <a:t>26.06.2024</a:t>
+              <a:t>27.06.2024</a:t>
             </a:fld>
             <a:endParaRPr lang="ru-RU"/>
           </a:p>
@@ -724,10 +734,9 @@
           <a:lstStyle/>
           <a:p>
             <a:r>
-              <a:rPr lang="ru-RU" smtClean="0"/>
+              <a:rPr lang="ru-RU"/>
               <a:t>Образец заголовка</a:t>
             </a:r>
-            <a:endParaRPr lang="ru-RU"/>
           </a:p>
         </p:txBody>
       </p:sp>
@@ -748,38 +757,37 @@
           <a:p>
             <a:pPr lvl="0"/>
             <a:r>
-              <a:rPr lang="ru-RU" smtClean="0"/>
+              <a:rPr lang="ru-RU"/>
               <a:t>Образец текста</a:t>
             </a:r>
           </a:p>
           <a:p>
             <a:pPr lvl="1"/>
             <a:r>
-              <a:rPr lang="ru-RU" smtClean="0"/>
+              <a:rPr lang="ru-RU"/>
               <a:t>Второй уровень</a:t>
             </a:r>
           </a:p>
           <a:p>
             <a:pPr lvl="2"/>
             <a:r>
-              <a:rPr lang="ru-RU" smtClean="0"/>
+              <a:rPr lang="ru-RU"/>
               <a:t>Третий уровень</a:t>
             </a:r>
           </a:p>
           <a:p>
             <a:pPr lvl="3"/>
             <a:r>
-              <a:rPr lang="ru-RU" smtClean="0"/>
+              <a:rPr lang="ru-RU"/>
               <a:t>Четвертый уровень</a:t>
             </a:r>
           </a:p>
           <a:p>
             <a:pPr lvl="4"/>
             <a:r>
-              <a:rPr lang="ru-RU" smtClean="0"/>
+              <a:rPr lang="ru-RU"/>
               <a:t>Пятый уровень</a:t>
             </a:r>
-            <a:endParaRPr lang="ru-RU"/>
           </a:p>
         </p:txBody>
       </p:sp>
@@ -801,7 +809,7 @@
             <a:fld id="{BC011F74-49DA-4053-AB53-90420303BA71}" type="datetimeFigureOut">
               <a:rPr lang="ru-RU" smtClean="0"/>
               <a:pPr/>
-              <a:t>26.06.2024</a:t>
+              <a:t>27.06.2024</a:t>
             </a:fld>
             <a:endParaRPr lang="ru-RU"/>
           </a:p>
@@ -900,10 +908,9 @@
           </a:lstStyle>
           <a:p>
             <a:r>
-              <a:rPr lang="ru-RU" smtClean="0"/>
+              <a:rPr lang="ru-RU"/>
               <a:t>Образец заголовка</a:t>
             </a:r>
-            <a:endParaRPr lang="ru-RU"/>
           </a:p>
         </p:txBody>
       </p:sp>
@@ -1020,7 +1027,7 @@
           <a:p>
             <a:pPr lvl="0"/>
             <a:r>
-              <a:rPr lang="ru-RU" smtClean="0"/>
+              <a:rPr lang="ru-RU"/>
               <a:t>Образец текста</a:t>
             </a:r>
           </a:p>
@@ -1044,7 +1051,7 @@
             <a:fld id="{BC011F74-49DA-4053-AB53-90420303BA71}" type="datetimeFigureOut">
               <a:rPr lang="ru-RU" smtClean="0"/>
               <a:pPr/>
-              <a:t>26.06.2024</a:t>
+              <a:t>27.06.2024</a:t>
             </a:fld>
             <a:endParaRPr lang="ru-RU"/>
           </a:p>
@@ -1134,10 +1141,9 @@
           <a:lstStyle/>
           <a:p>
             <a:r>
-              <a:rPr lang="ru-RU" smtClean="0"/>
+              <a:rPr lang="ru-RU"/>
               <a:t>Образец заголовка</a:t>
             </a:r>
-            <a:endParaRPr lang="ru-RU"/>
           </a:p>
         </p:txBody>
       </p:sp>
@@ -1191,38 +1197,37 @@
           <a:p>
             <a:pPr lvl="0"/>
             <a:r>
-              <a:rPr lang="ru-RU" smtClean="0"/>
+              <a:rPr lang="ru-RU"/>
               <a:t>Образец текста</a:t>
             </a:r>
           </a:p>
           <a:p>
             <a:pPr lvl="1"/>
             <a:r>
-              <a:rPr lang="ru-RU" smtClean="0"/>
+              <a:rPr lang="ru-RU"/>
               <a:t>Второй уровень</a:t>
             </a:r>
           </a:p>
           <a:p>
             <a:pPr lvl="2"/>
             <a:r>
-              <a:rPr lang="ru-RU" smtClean="0"/>
+              <a:rPr lang="ru-RU"/>
               <a:t>Третий уровень</a:t>
             </a:r>
           </a:p>
           <a:p>
             <a:pPr lvl="3"/>
             <a:r>
-              <a:rPr lang="ru-RU" smtClean="0"/>
+              <a:rPr lang="ru-RU"/>
               <a:t>Четвертый уровень</a:t>
             </a:r>
           </a:p>
           <a:p>
             <a:pPr lvl="4"/>
             <a:r>
-              <a:rPr lang="ru-RU" smtClean="0"/>
+              <a:rPr lang="ru-RU"/>
               <a:t>Пятый уровень</a:t>
             </a:r>
-            <a:endParaRPr lang="ru-RU"/>
           </a:p>
         </p:txBody>
       </p:sp>
@@ -1276,38 +1281,37 @@
           <a:p>
             <a:pPr lvl="0"/>
             <a:r>
-              <a:rPr lang="ru-RU" smtClean="0"/>
+              <a:rPr lang="ru-RU"/>
               <a:t>Образец текста</a:t>
             </a:r>
           </a:p>
           <a:p>
             <a:pPr lvl="1"/>
             <a:r>
-              <a:rPr lang="ru-RU" smtClean="0"/>
+              <a:rPr lang="ru-RU"/>
               <a:t>Второй уровень</a:t>
             </a:r>
           </a:p>
           <a:p>
             <a:pPr lvl="2"/>
             <a:r>
-              <a:rPr lang="ru-RU" smtClean="0"/>
+              <a:rPr lang="ru-RU"/>
               <a:t>Третий уровень</a:t>
             </a:r>
           </a:p>
           <a:p>
             <a:pPr lvl="3"/>
             <a:r>
-              <a:rPr lang="ru-RU" smtClean="0"/>
+              <a:rPr lang="ru-RU"/>
               <a:t>Четвертый уровень</a:t>
             </a:r>
           </a:p>
           <a:p>
             <a:pPr lvl="4"/>
             <a:r>
-              <a:rPr lang="ru-RU" smtClean="0"/>
+              <a:rPr lang="ru-RU"/>
               <a:t>Пятый уровень</a:t>
             </a:r>
-            <a:endParaRPr lang="ru-RU"/>
           </a:p>
         </p:txBody>
       </p:sp>
@@ -1329,7 +1333,7 @@
             <a:fld id="{BC011F74-49DA-4053-AB53-90420303BA71}" type="datetimeFigureOut">
               <a:rPr lang="ru-RU" smtClean="0"/>
               <a:pPr/>
-              <a:t>26.06.2024</a:t>
+              <a:t>27.06.2024</a:t>
             </a:fld>
             <a:endParaRPr lang="ru-RU"/>
           </a:p>
@@ -1423,10 +1427,9 @@
           </a:lstStyle>
           <a:p>
             <a:r>
-              <a:rPr lang="ru-RU" smtClean="0"/>
+              <a:rPr lang="ru-RU"/>
               <a:t>Образец заголовка</a:t>
             </a:r>
-            <a:endParaRPr lang="ru-RU"/>
           </a:p>
         </p:txBody>
       </p:sp>
@@ -1489,7 +1492,7 @@
           <a:p>
             <a:pPr lvl="0"/>
             <a:r>
-              <a:rPr lang="ru-RU" smtClean="0"/>
+              <a:rPr lang="ru-RU"/>
               <a:t>Образец текста</a:t>
             </a:r>
           </a:p>
@@ -1545,38 +1548,37 @@
           <a:p>
             <a:pPr lvl="0"/>
             <a:r>
-              <a:rPr lang="ru-RU" smtClean="0"/>
+              <a:rPr lang="ru-RU"/>
               <a:t>Образец текста</a:t>
             </a:r>
           </a:p>
           <a:p>
             <a:pPr lvl="1"/>
             <a:r>
-              <a:rPr lang="ru-RU" smtClean="0"/>
+              <a:rPr lang="ru-RU"/>
               <a:t>Второй уровень</a:t>
             </a:r>
           </a:p>
           <a:p>
             <a:pPr lvl="2"/>
             <a:r>
-              <a:rPr lang="ru-RU" smtClean="0"/>
+              <a:rPr lang="ru-RU"/>
               <a:t>Третий уровень</a:t>
             </a:r>
           </a:p>
           <a:p>
             <a:pPr lvl="3"/>
             <a:r>
-              <a:rPr lang="ru-RU" smtClean="0"/>
+              <a:rPr lang="ru-RU"/>
               <a:t>Четвертый уровень</a:t>
             </a:r>
           </a:p>
           <a:p>
             <a:pPr lvl="4"/>
             <a:r>
-              <a:rPr lang="ru-RU" smtClean="0"/>
+              <a:rPr lang="ru-RU"/>
               <a:t>Пятый уровень</a:t>
             </a:r>
-            <a:endParaRPr lang="ru-RU"/>
           </a:p>
         </p:txBody>
       </p:sp>
@@ -1639,7 +1641,7 @@
           <a:p>
             <a:pPr lvl="0"/>
             <a:r>
-              <a:rPr lang="ru-RU" smtClean="0"/>
+              <a:rPr lang="ru-RU"/>
               <a:t>Образец текста</a:t>
             </a:r>
           </a:p>
@@ -1695,38 +1697,37 @@
           <a:p>
             <a:pPr lvl="0"/>
             <a:r>
-              <a:rPr lang="ru-RU" smtClean="0"/>
+              <a:rPr lang="ru-RU"/>
               <a:t>Образец текста</a:t>
             </a:r>
           </a:p>
           <a:p>
             <a:pPr lvl="1"/>
             <a:r>
-              <a:rPr lang="ru-RU" smtClean="0"/>
+              <a:rPr lang="ru-RU"/>
               <a:t>Второй уровень</a:t>
             </a:r>
           </a:p>
           <a:p>
             <a:pPr lvl="2"/>
             <a:r>
-              <a:rPr lang="ru-RU" smtClean="0"/>
+              <a:rPr lang="ru-RU"/>
               <a:t>Третий уровень</a:t>
             </a:r>
           </a:p>
           <a:p>
             <a:pPr lvl="3"/>
             <a:r>
-              <a:rPr lang="ru-RU" smtClean="0"/>
+              <a:rPr lang="ru-RU"/>
               <a:t>Четвертый уровень</a:t>
             </a:r>
           </a:p>
           <a:p>
             <a:pPr lvl="4"/>
             <a:r>
-              <a:rPr lang="ru-RU" smtClean="0"/>
+              <a:rPr lang="ru-RU"/>
               <a:t>Пятый уровень</a:t>
             </a:r>
-            <a:endParaRPr lang="ru-RU"/>
           </a:p>
         </p:txBody>
       </p:sp>
@@ -1748,7 +1749,7 @@
             <a:fld id="{BC011F74-49DA-4053-AB53-90420303BA71}" type="datetimeFigureOut">
               <a:rPr lang="ru-RU" smtClean="0"/>
               <a:pPr/>
-              <a:t>26.06.2024</a:t>
+              <a:t>27.06.2024</a:t>
             </a:fld>
             <a:endParaRPr lang="ru-RU"/>
           </a:p>
@@ -1838,10 +1839,9 @@
           <a:lstStyle/>
           <a:p>
             <a:r>
-              <a:rPr lang="ru-RU" smtClean="0"/>
+              <a:rPr lang="ru-RU"/>
               <a:t>Образец заголовка</a:t>
             </a:r>
-            <a:endParaRPr lang="ru-RU"/>
           </a:p>
         </p:txBody>
       </p:sp>
@@ -1863,7 +1863,7 @@
             <a:fld id="{BC011F74-49DA-4053-AB53-90420303BA71}" type="datetimeFigureOut">
               <a:rPr lang="ru-RU" smtClean="0"/>
               <a:pPr/>
-              <a:t>26.06.2024</a:t>
+              <a:t>27.06.2024</a:t>
             </a:fld>
             <a:endParaRPr lang="ru-RU"/>
           </a:p>
@@ -1955,7 +1955,7 @@
             <a:fld id="{BC011F74-49DA-4053-AB53-90420303BA71}" type="datetimeFigureOut">
               <a:rPr lang="ru-RU" smtClean="0"/>
               <a:pPr/>
-              <a:t>26.06.2024</a:t>
+              <a:t>27.06.2024</a:t>
             </a:fld>
             <a:endParaRPr lang="ru-RU"/>
           </a:p>
@@ -2054,10 +2054,9 @@
           </a:lstStyle>
           <a:p>
             <a:r>
-              <a:rPr lang="ru-RU" smtClean="0"/>
+              <a:rPr lang="ru-RU"/>
               <a:t>Образец заголовка</a:t>
             </a:r>
-            <a:endParaRPr lang="ru-RU"/>
           </a:p>
         </p:txBody>
       </p:sp>
@@ -2111,38 +2110,37 @@
           <a:p>
             <a:pPr lvl="0"/>
             <a:r>
-              <a:rPr lang="ru-RU" smtClean="0"/>
+              <a:rPr lang="ru-RU"/>
               <a:t>Образец текста</a:t>
             </a:r>
           </a:p>
           <a:p>
             <a:pPr lvl="1"/>
             <a:r>
-              <a:rPr lang="ru-RU" smtClean="0"/>
+              <a:rPr lang="ru-RU"/>
               <a:t>Второй уровень</a:t>
             </a:r>
           </a:p>
           <a:p>
             <a:pPr lvl="2"/>
             <a:r>
-              <a:rPr lang="ru-RU" smtClean="0"/>
+              <a:rPr lang="ru-RU"/>
               <a:t>Третий уровень</a:t>
             </a:r>
           </a:p>
           <a:p>
             <a:pPr lvl="3"/>
             <a:r>
-              <a:rPr lang="ru-RU" smtClean="0"/>
+              <a:rPr lang="ru-RU"/>
               <a:t>Четвертый уровень</a:t>
             </a:r>
           </a:p>
           <a:p>
             <a:pPr lvl="4"/>
             <a:r>
-              <a:rPr lang="ru-RU" smtClean="0"/>
+              <a:rPr lang="ru-RU"/>
               <a:t>Пятый уровень</a:t>
             </a:r>
-            <a:endParaRPr lang="ru-RU"/>
           </a:p>
         </p:txBody>
       </p:sp>
@@ -2205,7 +2203,7 @@
           <a:p>
             <a:pPr lvl="0"/>
             <a:r>
-              <a:rPr lang="ru-RU" smtClean="0"/>
+              <a:rPr lang="ru-RU"/>
               <a:t>Образец текста</a:t>
             </a:r>
           </a:p>
@@ -2229,7 +2227,7 @@
             <a:fld id="{BC011F74-49DA-4053-AB53-90420303BA71}" type="datetimeFigureOut">
               <a:rPr lang="ru-RU" smtClean="0"/>
               <a:pPr/>
-              <a:t>26.06.2024</a:t>
+              <a:t>27.06.2024</a:t>
             </a:fld>
             <a:endParaRPr lang="ru-RU"/>
           </a:p>
@@ -2328,10 +2326,9 @@
           </a:lstStyle>
           <a:p>
             <a:r>
-              <a:rPr lang="ru-RU" smtClean="0"/>
+              <a:rPr lang="ru-RU"/>
               <a:t>Образец заголовка</a:t>
             </a:r>
-            <a:endParaRPr lang="ru-RU"/>
           </a:p>
         </p:txBody>
       </p:sp>
@@ -2455,7 +2452,7 @@
           <a:p>
             <a:pPr lvl="0"/>
             <a:r>
-              <a:rPr lang="ru-RU" smtClean="0"/>
+              <a:rPr lang="ru-RU"/>
               <a:t>Образец текста</a:t>
             </a:r>
           </a:p>
@@ -2479,7 +2476,7 @@
             <a:fld id="{BC011F74-49DA-4053-AB53-90420303BA71}" type="datetimeFigureOut">
               <a:rPr lang="ru-RU" smtClean="0"/>
               <a:pPr/>
-              <a:t>26.06.2024</a:t>
+              <a:t>27.06.2024</a:t>
             </a:fld>
             <a:endParaRPr lang="ru-RU"/>
           </a:p>
@@ -2584,10 +2581,9 @@
           <a:lstStyle/>
           <a:p>
             <a:r>
-              <a:rPr lang="ru-RU" smtClean="0"/>
+              <a:rPr lang="ru-RU"/>
               <a:t>Образец заголовка</a:t>
             </a:r>
-            <a:endParaRPr lang="ru-RU"/>
           </a:p>
         </p:txBody>
       </p:sp>
@@ -2618,38 +2614,37 @@
           <a:p>
             <a:pPr lvl="0"/>
             <a:r>
-              <a:rPr lang="ru-RU" smtClean="0"/>
+              <a:rPr lang="ru-RU"/>
               <a:t>Образец текста</a:t>
             </a:r>
           </a:p>
           <a:p>
             <a:pPr lvl="1"/>
             <a:r>
-              <a:rPr lang="ru-RU" smtClean="0"/>
+              <a:rPr lang="ru-RU"/>
               <a:t>Второй уровень</a:t>
             </a:r>
           </a:p>
           <a:p>
             <a:pPr lvl="2"/>
             <a:r>
-              <a:rPr lang="ru-RU" smtClean="0"/>
+              <a:rPr lang="ru-RU"/>
               <a:t>Третий уровень</a:t>
             </a:r>
           </a:p>
           <a:p>
             <a:pPr lvl="3"/>
             <a:r>
-              <a:rPr lang="ru-RU" smtClean="0"/>
+              <a:rPr lang="ru-RU"/>
               <a:t>Четвертый уровень</a:t>
             </a:r>
           </a:p>
           <a:p>
             <a:pPr lvl="4"/>
             <a:r>
-              <a:rPr lang="ru-RU" smtClean="0"/>
+              <a:rPr lang="ru-RU"/>
               <a:t>Пятый уровень</a:t>
             </a:r>
-            <a:endParaRPr lang="ru-RU"/>
           </a:p>
         </p:txBody>
       </p:sp>
@@ -2689,7 +2684,7 @@
             <a:fld id="{BC011F74-49DA-4053-AB53-90420303BA71}" type="datetimeFigureOut">
               <a:rPr lang="ru-RU" smtClean="0"/>
               <a:pPr/>
-              <a:t>26.06.2024</a:t>
+              <a:t>27.06.2024</a:t>
             </a:fld>
             <a:endParaRPr lang="ru-RU"/>
           </a:p>
@@ -3115,14 +3110,13 @@
           <a:lstStyle/>
           <a:p>
             <a:r>
-              <a:rPr lang="en-US" dirty="0" smtClean="0"/>
+              <a:rPr lang="en-US" dirty="0"/>
               <a:t>JavaScript </a:t>
             </a:r>
             <a:r>
-              <a:rPr lang="ru-RU" dirty="0" smtClean="0"/>
+              <a:rPr lang="ru-RU" dirty="0"/>
               <a:t>и его синтаксис</a:t>
             </a:r>
-            <a:endParaRPr lang="ru-RU" dirty="0"/>
           </a:p>
         </p:txBody>
       </p:sp>
@@ -3360,18 +3354,9 @@
             <a:lstStyle/>
             <a:p>
               <a:r>
-                <a:rPr lang="ru-RU" sz="2000" b="1" dirty="0" smtClean="0"/>
-                <a:t>Объектно</a:t>
+                <a:rPr lang="ru-RU" sz="2000" b="1" dirty="0"/>
+                <a:t>Объектно-ориентированный</a:t>
               </a:r>
-              <a:r>
-                <a:rPr lang="ru-RU" sz="2000" b="1" dirty="0"/>
-                <a:t>-</a:t>
-              </a:r>
-              <a:r>
-                <a:rPr lang="ru-RU" sz="2000" b="1" dirty="0" smtClean="0"/>
-                <a:t>ориентированный</a:t>
-              </a:r>
-              <a:endParaRPr lang="ru-RU" sz="2000" b="1" dirty="0"/>
             </a:p>
           </p:txBody>
         </p:sp>
@@ -3398,10 +3383,9 @@
             <a:lstStyle/>
             <a:p>
               <a:r>
-                <a:rPr lang="ru-RU" sz="2000" b="1" dirty="0" smtClean="0"/>
+                <a:rPr lang="ru-RU" sz="2000" b="1" dirty="0"/>
                 <a:t>Функциональный</a:t>
               </a:r>
-              <a:endParaRPr lang="ru-RU" sz="2000" b="1" dirty="0"/>
             </a:p>
           </p:txBody>
         </p:sp>
@@ -3468,22 +3452,22 @@
             <a:lstStyle/>
             <a:p>
               <a:r>
-                <a:rPr lang="ru-RU" sz="2000" b="1" dirty="0" smtClean="0"/>
+                <a:rPr lang="ru-RU" sz="2000" b="1" dirty="0"/>
                 <a:t>Интерпретируемый</a:t>
               </a:r>
-              <a:endParaRPr lang="en-US" sz="2000" b="1" dirty="0" smtClean="0"/>
+              <a:endParaRPr lang="en-US" sz="2000" b="1" dirty="0"/>
             </a:p>
             <a:p>
               <a:r>
-                <a:rPr lang="en-US" sz="2000" b="1" dirty="0" smtClean="0"/>
+                <a:rPr lang="en-US" sz="2000" b="1" dirty="0"/>
                 <a:t>(</a:t>
               </a:r>
               <a:r>
-                <a:rPr lang="ru-RU" sz="2000" b="1" dirty="0" smtClean="0"/>
+                <a:rPr lang="ru-RU" sz="2000" b="1" dirty="0"/>
                 <a:t>и динамически типизированный</a:t>
               </a:r>
               <a:r>
-                <a:rPr lang="en-US" sz="2000" b="1" dirty="0" smtClean="0"/>
+                <a:rPr lang="en-US" sz="2000" b="1" dirty="0"/>
                 <a:t>)</a:t>
               </a:r>
               <a:endParaRPr lang="ru-RU" sz="2000" b="1" dirty="0"/>
@@ -3553,10 +3537,9 @@
             <a:lstStyle/>
             <a:p>
               <a:r>
-                <a:rPr lang="ru-RU" sz="2000" b="1" dirty="0" smtClean="0"/>
+                <a:rPr lang="ru-RU" sz="2000" b="1" dirty="0"/>
                 <a:t>Однопоточный</a:t>
               </a:r>
-              <a:endParaRPr lang="ru-RU" sz="2000" b="1" dirty="0"/>
             </a:p>
           </p:txBody>
         </p:sp>
@@ -3583,10 +3566,9 @@
             <a:lstStyle/>
             <a:p>
               <a:r>
-                <a:rPr lang="ru-RU" sz="1600" b="1" dirty="0" smtClean="0"/>
+                <a:rPr lang="ru-RU" sz="1600" b="1" dirty="0"/>
                 <a:t>Эквивалентные формы записи</a:t>
               </a:r>
-              <a:endParaRPr lang="ru-RU" sz="1600" b="1" dirty="0"/>
             </a:p>
           </p:txBody>
         </p:sp>
@@ -3632,11 +3614,11 @@
           <a:p>
             <a:pPr algn="ctr"/>
             <a:r>
-              <a:rPr lang="ru-RU" sz="2000" b="1" dirty="0" smtClean="0"/>
+              <a:rPr lang="ru-RU" sz="2000" b="1" dirty="0"/>
               <a:t>Типы в</a:t>
             </a:r>
             <a:r>
-              <a:rPr lang="en-US" sz="2000" b="1" dirty="0" smtClean="0"/>
+              <a:rPr lang="en-US" sz="2000" b="1" dirty="0"/>
               <a:t> JavaScript</a:t>
             </a:r>
             <a:endParaRPr lang="ru-RU" sz="2000" b="1" dirty="0"/>
@@ -3724,7 +3706,7 @@
         </p:blipFill>
         <p:spPr bwMode="auto">
           <a:xfrm>
-            <a:off x="357158" y="1428742"/>
+            <a:off x="323528" y="1512772"/>
             <a:ext cx="4113423" cy="2500330"/>
           </a:xfrm>
           <a:prstGeom prst="rect">
@@ -3750,7 +3732,12 @@
             <p:ph type="title"/>
           </p:nvPr>
         </p:nvSpPr>
-        <p:spPr/>
+        <p:spPr>
+          <a:xfrm>
+            <a:off x="423570" y="290009"/>
+            <a:ext cx="8229600" cy="857250"/>
+          </a:xfrm>
+        </p:spPr>
         <p:txBody>
           <a:bodyPr>
             <a:normAutofit fontScale="90000"/>
@@ -3758,30 +3745,30 @@
           <a:lstStyle/>
           <a:p>
             <a:r>
-              <a:rPr lang="ru-RU" dirty="0" smtClean="0"/>
+              <a:rPr lang="ru-RU" dirty="0"/>
               <a:t>Финальный проект. </a:t>
             </a:r>
             <a:r>
-              <a:rPr lang="en-US" dirty="0" smtClean="0"/>
+              <a:rPr lang="en-US" dirty="0"/>
               <a:t>TP5</a:t>
             </a:r>
             <a:r>
-              <a:rPr lang="ru-RU" dirty="0" smtClean="0"/>
+              <a:rPr lang="ru-RU" dirty="0"/>
               <a:t>. </a:t>
             </a:r>
             <a:br>
-              <a:rPr lang="ru-RU" dirty="0" smtClean="0"/>
+              <a:rPr lang="ru-RU" dirty="0"/>
             </a:br>
             <a:r>
-              <a:rPr lang="en-US" dirty="0" smtClean="0"/>
+              <a:rPr lang="en-US" dirty="0"/>
               <a:t>“Multiplayer </a:t>
             </a:r>
             <a:r>
-              <a:rPr lang="ru-RU" dirty="0" smtClean="0"/>
+              <a:rPr lang="ru-RU" dirty="0"/>
               <a:t>3</a:t>
             </a:r>
             <a:r>
-              <a:rPr lang="en-US" dirty="0" smtClean="0"/>
+              <a:rPr lang="en-US" dirty="0"/>
               <a:t>d labyrinth “</a:t>
             </a:r>
             <a:endParaRPr lang="ru-RU" dirty="0"/>
@@ -3796,7 +3783,7 @@
         </p:nvGrpSpPr>
         <p:grpSpPr>
           <a:xfrm>
-            <a:off x="3815598" y="1377125"/>
+            <a:off x="3781968" y="1461155"/>
             <a:ext cx="5185558" cy="3414851"/>
             <a:chOff x="3559321" y="618286"/>
             <a:chExt cx="5439900" cy="3582344"/>
@@ -3952,10 +3939,9 @@
               <a:lstStyle/>
               <a:p>
                 <a:r>
-                  <a:rPr lang="ru-RU" sz="1600" b="1" dirty="0" smtClean="0"/>
+                  <a:rPr lang="ru-RU" sz="1600" b="1" dirty="0"/>
                   <a:t>Построение лабиринта по изображению с планом комнат</a:t>
                 </a:r>
-                <a:endParaRPr lang="ru-RU" sz="1600" b="1" dirty="0"/>
               </a:p>
             </p:txBody>
           </p:sp>
@@ -3983,31 +3969,26 @@
             <a:lstStyle/>
             <a:p>
               <a:r>
-                <a:rPr lang="en-US" sz="1600" b="1" dirty="0" smtClean="0"/>
+                <a:rPr lang="en-US" sz="1600" b="1" dirty="0"/>
                 <a:t>Multiplayer</a:t>
               </a:r>
-              <a:endParaRPr lang="ru-RU" sz="1600" b="1" dirty="0" smtClean="0"/>
+              <a:endParaRPr lang="ru-RU" sz="1600" b="1" dirty="0"/>
             </a:p>
             <a:p>
               <a:r>
-                <a:rPr lang="ru-RU" sz="1600" b="1" dirty="0" smtClean="0"/>
-                <a:t>Загрузка </a:t>
+                <a:rPr lang="ru-RU" sz="1600" b="1" dirty="0"/>
+                <a:t>Загрузка аватарок из </a:t>
               </a:r>
               <a:r>
-                <a:rPr lang="ru-RU" sz="1600" b="1" dirty="0" smtClean="0"/>
-                <a:t>аватарок из </a:t>
-              </a:r>
-              <a:r>
-                <a:rPr lang="en-US" sz="1600" b="1" dirty="0" smtClean="0"/>
+                <a:rPr lang="en-US" sz="1600" b="1" dirty="0"/>
                 <a:t>Gravatar.</a:t>
               </a:r>
             </a:p>
             <a:p>
               <a:r>
-                <a:rPr lang="ru-RU" sz="1600" b="1" dirty="0" smtClean="0"/>
+                <a:rPr lang="ru-RU" sz="1600" b="1" dirty="0"/>
                 <a:t>Загрузка моделей, прозрачность</a:t>
               </a:r>
-              <a:endParaRPr lang="ru-RU" sz="1600" b="1" dirty="0"/>
             </a:p>
           </p:txBody>
         </p:sp>
@@ -4118,7 +4099,7 @@
         </p:nvSpPr>
         <p:spPr>
           <a:xfrm>
-            <a:off x="6786578" y="1857370"/>
+            <a:off x="6752948" y="1941400"/>
             <a:ext cx="345872" cy="287638"/>
           </a:xfrm>
           <a:prstGeom prst="rightArrow">
